--- a/Classes/04/Slide.pptx
+++ b/Classes/04/Slide.pptx
@@ -7,22 +7,23 @@
   <p:sldIdLst>
     <p:sldId id="256" r:id="rId2"/>
     <p:sldId id="270" r:id="rId3"/>
-    <p:sldId id="271" r:id="rId4"/>
-    <p:sldId id="272" r:id="rId5"/>
-    <p:sldId id="273" r:id="rId6"/>
-    <p:sldId id="274" r:id="rId7"/>
-    <p:sldId id="275" r:id="rId8"/>
-    <p:sldId id="276" r:id="rId9"/>
-    <p:sldId id="277" r:id="rId10"/>
-    <p:sldId id="279" r:id="rId11"/>
-    <p:sldId id="280" r:id="rId12"/>
-    <p:sldId id="281" r:id="rId13"/>
-    <p:sldId id="282" r:id="rId14"/>
-    <p:sldId id="283" r:id="rId15"/>
-    <p:sldId id="284" r:id="rId16"/>
-    <p:sldId id="285" r:id="rId17"/>
-    <p:sldId id="286" r:id="rId18"/>
-    <p:sldId id="287" r:id="rId19"/>
+    <p:sldId id="288" r:id="rId4"/>
+    <p:sldId id="271" r:id="rId5"/>
+    <p:sldId id="272" r:id="rId6"/>
+    <p:sldId id="273" r:id="rId7"/>
+    <p:sldId id="274" r:id="rId8"/>
+    <p:sldId id="275" r:id="rId9"/>
+    <p:sldId id="276" r:id="rId10"/>
+    <p:sldId id="277" r:id="rId11"/>
+    <p:sldId id="279" r:id="rId12"/>
+    <p:sldId id="280" r:id="rId13"/>
+    <p:sldId id="281" r:id="rId14"/>
+    <p:sldId id="282" r:id="rId15"/>
+    <p:sldId id="283" r:id="rId16"/>
+    <p:sldId id="284" r:id="rId17"/>
+    <p:sldId id="285" r:id="rId18"/>
+    <p:sldId id="286" r:id="rId19"/>
+    <p:sldId id="287" r:id="rId20"/>
   </p:sldIdLst>
   <p:sldSz cx="9144000" cy="5143500" type="screen16x9"/>
   <p:notesSz cx="6858000" cy="9144000"/>
@@ -3156,7 +3157,7 @@
         <p:spPr>
           <a:xfrm>
             <a:off x="685800" y="133350"/>
-            <a:ext cx="2662908" cy="369332"/>
+            <a:ext cx="3015569" cy="369332"/>
           </a:xfrm>
           <a:prstGeom prst="rect">
             <a:avLst/>
@@ -3169,14 +3170,14 @@
           <a:lstStyle/>
           <a:p>
             <a:r>
-              <a:rPr lang="en-US" b="1">
+              <a:rPr lang="en-US" b="1" dirty="0">
                 <a:solidFill>
                   <a:srgbClr val="0070C0"/>
                 </a:solidFill>
                 <a:latin typeface="Roboto" panose="02000000000000000000" pitchFamily="2" charset="0"/>
                 <a:ea typeface="Roboto" panose="02000000000000000000" pitchFamily="2" charset="0"/>
               </a:rPr>
-              <a:t>Adding value at runtime</a:t>
+              <a:t>Dart Map Using Map Literal</a:t>
             </a:r>
             <a:endParaRPr lang="en-US" b="1" dirty="0"/>
           </a:p>
@@ -3226,7 +3227,7 @@
       </p:sp>
       <p:pic>
         <p:nvPicPr>
-          <p:cNvPr id="5" name="Picture 4"/>
+          <p:cNvPr id="4" name="Picture 3"/>
           <p:cNvPicPr>
             <a:picLocks noChangeAspect="1"/>
           </p:cNvPicPr>
@@ -3240,8 +3241,8 @@
         </p:blipFill>
         <p:spPr>
           <a:xfrm>
-            <a:off x="457200" y="1657350"/>
-            <a:ext cx="4114800" cy="1350498"/>
+            <a:off x="533400" y="1657350"/>
+            <a:ext cx="3829050" cy="1035010"/>
           </a:xfrm>
           <a:prstGeom prst="rect">
             <a:avLst/>
@@ -3251,7 +3252,7 @@
     </p:spTree>
     <p:extLst>
       <p:ext uri="{BB962C8B-B14F-4D97-AF65-F5344CB8AC3E}">
-        <p14:creationId xmlns:p14="http://schemas.microsoft.com/office/powerpoint/2010/main" val="3964835611"/>
+        <p14:creationId xmlns:p14="http://schemas.microsoft.com/office/powerpoint/2010/main" val="323147523"/>
       </p:ext>
     </p:extLst>
   </p:cSld>
@@ -3307,14 +3308,14 @@
           <a:lstStyle/>
           <a:p>
             <a:r>
-              <a:rPr lang="en-US" b="1" dirty="0">
+              <a:rPr lang="en-US" b="1">
                 <a:solidFill>
                   <a:srgbClr val="0070C0"/>
                 </a:solidFill>
                 <a:latin typeface="Roboto" panose="02000000000000000000" pitchFamily="2" charset="0"/>
                 <a:ea typeface="Roboto" panose="02000000000000000000" pitchFamily="2" charset="0"/>
               </a:rPr>
-              <a:t>Using Map Constructor</a:t>
+              <a:t>Adding value at runtime</a:t>
             </a:r>
             <a:endParaRPr lang="en-US" b="1" dirty="0"/>
           </a:p>
@@ -3349,38 +3350,11 @@
               <a:buChar char="•"/>
             </a:pPr>
             <a:r>
-              <a:rPr lang="en-US" sz="1200" dirty="0">
+              <a:rPr lang="en-US" sz="1200">
                 <a:latin typeface="Roboto" panose="02000000000000000000" pitchFamily="2" charset="0"/>
                 <a:ea typeface="Roboto" panose="02000000000000000000" pitchFamily="2" charset="0"/>
               </a:rPr>
-              <a:t>To declare the Dart Map using map constructor can be done in two ways. </a:t>
-            </a:r>
-            <a:endParaRPr lang="en-US" sz="1200" dirty="0" smtClean="0">
-              <a:latin typeface="Roboto" panose="02000000000000000000" pitchFamily="2" charset="0"/>
-              <a:ea typeface="Roboto" panose="02000000000000000000" pitchFamily="2" charset="0"/>
-            </a:endParaRPr>
-          </a:p>
-          <a:p>
-            <a:pPr marL="285750" indent="-285750">
-              <a:lnSpc>
-                <a:spcPct val="150000"/>
-              </a:lnSpc>
-              <a:buFont typeface="Arial" panose="020B0604020202020204" pitchFamily="34" charset="0"/>
-              <a:buChar char="•"/>
-            </a:pPr>
-            <a:r>
-              <a:rPr lang="en-US" sz="1200" dirty="0" smtClean="0">
-                <a:latin typeface="Roboto" panose="02000000000000000000" pitchFamily="2" charset="0"/>
-                <a:ea typeface="Roboto" panose="02000000000000000000" pitchFamily="2" charset="0"/>
-              </a:rPr>
-              <a:t>First</a:t>
-            </a:r>
-            <a:r>
-              <a:rPr lang="en-US" sz="1200" dirty="0">
-                <a:latin typeface="Roboto" panose="02000000000000000000" pitchFamily="2" charset="0"/>
-                <a:ea typeface="Roboto" panose="02000000000000000000" pitchFamily="2" charset="0"/>
-              </a:rPr>
-              <a:t>, declare a map using map() constructor. Second, initialize the map.</a:t>
+              <a:t>To declare a Map using map literal, the key-value pairs are enclosed within the curly braces "{}" and separated by the commas. </a:t>
             </a:r>
             <a:endParaRPr lang="en-US" sz="1400" dirty="0">
               <a:latin typeface="Roboto" panose="02000000000000000000" pitchFamily="2" charset="0"/>
@@ -3391,7 +3365,7 @@
       </p:sp>
       <p:pic>
         <p:nvPicPr>
-          <p:cNvPr id="4" name="Picture 3"/>
+          <p:cNvPr id="5" name="Picture 4"/>
           <p:cNvPicPr>
             <a:picLocks noChangeAspect="1"/>
           </p:cNvPicPr>
@@ -3405,8 +3379,8 @@
         </p:blipFill>
         <p:spPr>
           <a:xfrm>
-            <a:off x="228600" y="1657350"/>
-            <a:ext cx="4112407" cy="2181225"/>
+            <a:off x="457200" y="1657350"/>
+            <a:ext cx="4114800" cy="1350498"/>
           </a:xfrm>
           <a:prstGeom prst="rect">
             <a:avLst/>
@@ -3416,7 +3390,7 @@
     </p:spTree>
     <p:extLst>
       <p:ext uri="{BB962C8B-B14F-4D97-AF65-F5344CB8AC3E}">
-        <p14:creationId xmlns:p14="http://schemas.microsoft.com/office/powerpoint/2010/main" val="3799651983"/>
+        <p14:creationId xmlns:p14="http://schemas.microsoft.com/office/powerpoint/2010/main" val="3964835611"/>
       </p:ext>
     </p:extLst>
   </p:cSld>
@@ -3581,7 +3555,7 @@
     </p:spTree>
     <p:extLst>
       <p:ext uri="{BB962C8B-B14F-4D97-AF65-F5344CB8AC3E}">
-        <p14:creationId xmlns:p14="http://schemas.microsoft.com/office/powerpoint/2010/main" val="3170793418"/>
+        <p14:creationId xmlns:p14="http://schemas.microsoft.com/office/powerpoint/2010/main" val="3799651983"/>
       </p:ext>
     </p:extLst>
   </p:cSld>
@@ -3624,7 +3598,7 @@
         <p:spPr>
           <a:xfrm>
             <a:off x="685800" y="133350"/>
-            <a:ext cx="1784463" cy="369332"/>
+            <a:ext cx="2662908" cy="369332"/>
           </a:xfrm>
           <a:prstGeom prst="rect">
             <a:avLst/>
@@ -3644,15 +3618,84 @@
                 <a:latin typeface="Roboto" panose="02000000000000000000" pitchFamily="2" charset="0"/>
                 <a:ea typeface="Roboto" panose="02000000000000000000" pitchFamily="2" charset="0"/>
               </a:rPr>
-              <a:t>Map Properties</a:t>
+              <a:t>Using Map Constructor</a:t>
             </a:r>
             <a:endParaRPr lang="en-US" b="1" dirty="0"/>
+          </a:p>
+        </p:txBody>
+      </p:sp>
+      <p:sp>
+        <p:nvSpPr>
+          <p:cNvPr id="2" name="Rectangle 1"/>
+          <p:cNvSpPr/>
+          <p:nvPr/>
+        </p:nvSpPr>
+        <p:spPr>
+          <a:xfrm>
+            <a:off x="152400" y="895350"/>
+            <a:ext cx="8839200" cy="615553"/>
+          </a:xfrm>
+          <a:prstGeom prst="rect">
+            <a:avLst/>
+          </a:prstGeom>
+        </p:spPr>
+        <p:txBody>
+          <a:bodyPr wrap="square">
+            <a:spAutoFit/>
+          </a:bodyPr>
+          <a:lstStyle/>
+          <a:p>
+            <a:pPr marL="285750" indent="-285750">
+              <a:lnSpc>
+                <a:spcPct val="150000"/>
+              </a:lnSpc>
+              <a:buFont typeface="Arial" panose="020B0604020202020204" pitchFamily="34" charset="0"/>
+              <a:buChar char="•"/>
+            </a:pPr>
+            <a:r>
+              <a:rPr lang="en-US" sz="1200" dirty="0">
+                <a:latin typeface="Roboto" panose="02000000000000000000" pitchFamily="2" charset="0"/>
+                <a:ea typeface="Roboto" panose="02000000000000000000" pitchFamily="2" charset="0"/>
+              </a:rPr>
+              <a:t>To declare the Dart Map using map constructor can be done in two ways. </a:t>
+            </a:r>
+            <a:endParaRPr lang="en-US" sz="1200" dirty="0" smtClean="0">
+              <a:latin typeface="Roboto" panose="02000000000000000000" pitchFamily="2" charset="0"/>
+              <a:ea typeface="Roboto" panose="02000000000000000000" pitchFamily="2" charset="0"/>
+            </a:endParaRPr>
+          </a:p>
+          <a:p>
+            <a:pPr marL="285750" indent="-285750">
+              <a:lnSpc>
+                <a:spcPct val="150000"/>
+              </a:lnSpc>
+              <a:buFont typeface="Arial" panose="020B0604020202020204" pitchFamily="34" charset="0"/>
+              <a:buChar char="•"/>
+            </a:pPr>
+            <a:r>
+              <a:rPr lang="en-US" sz="1200" dirty="0" smtClean="0">
+                <a:latin typeface="Roboto" panose="02000000000000000000" pitchFamily="2" charset="0"/>
+                <a:ea typeface="Roboto" panose="02000000000000000000" pitchFamily="2" charset="0"/>
+              </a:rPr>
+              <a:t>First</a:t>
+            </a:r>
+            <a:r>
+              <a:rPr lang="en-US" sz="1200" dirty="0">
+                <a:latin typeface="Roboto" panose="02000000000000000000" pitchFamily="2" charset="0"/>
+                <a:ea typeface="Roboto" panose="02000000000000000000" pitchFamily="2" charset="0"/>
+              </a:rPr>
+              <a:t>, declare a map using map() constructor. Second, initialize the map.</a:t>
+            </a:r>
+            <a:endParaRPr lang="en-US" sz="1400" dirty="0">
+              <a:latin typeface="Roboto" panose="02000000000000000000" pitchFamily="2" charset="0"/>
+              <a:ea typeface="Roboto" panose="02000000000000000000" pitchFamily="2" charset="0"/>
+            </a:endParaRPr>
           </a:p>
         </p:txBody>
       </p:sp>
       <p:pic>
         <p:nvPicPr>
-          <p:cNvPr id="5" name="Picture 4"/>
+          <p:cNvPr id="4" name="Picture 3"/>
           <p:cNvPicPr>
             <a:picLocks noChangeAspect="1"/>
           </p:cNvPicPr>
@@ -3666,8 +3709,8 @@
         </p:blipFill>
         <p:spPr>
           <a:xfrm>
-            <a:off x="304800" y="895350"/>
-            <a:ext cx="8533589" cy="2514600"/>
+            <a:off x="228600" y="1657350"/>
+            <a:ext cx="4112407" cy="2181225"/>
           </a:xfrm>
           <a:prstGeom prst="rect">
             <a:avLst/>
@@ -3677,7 +3720,7 @@
     </p:spTree>
     <p:extLst>
       <p:ext uri="{BB962C8B-B14F-4D97-AF65-F5344CB8AC3E}">
-        <p14:creationId xmlns:p14="http://schemas.microsoft.com/office/powerpoint/2010/main" val="1354494392"/>
+        <p14:creationId xmlns:p14="http://schemas.microsoft.com/office/powerpoint/2010/main" val="3170793418"/>
       </p:ext>
     </p:extLst>
   </p:cSld>
@@ -3720,7 +3763,7 @@
         <p:spPr>
           <a:xfrm>
             <a:off x="685800" y="133350"/>
-            <a:ext cx="1611339" cy="369332"/>
+            <a:ext cx="1784463" cy="369332"/>
           </a:xfrm>
           <a:prstGeom prst="rect">
             <a:avLst/>
@@ -3740,67 +3783,15 @@
                 <a:latin typeface="Roboto" panose="02000000000000000000" pitchFamily="2" charset="0"/>
                 <a:ea typeface="Roboto" panose="02000000000000000000" pitchFamily="2" charset="0"/>
               </a:rPr>
-              <a:t>Map Methods</a:t>
+              <a:t>Map Properties</a:t>
             </a:r>
             <a:endParaRPr lang="en-US" b="1" dirty="0"/>
-          </a:p>
-        </p:txBody>
-      </p:sp>
-      <p:sp>
-        <p:nvSpPr>
-          <p:cNvPr id="4" name="Rectangle 3"/>
-          <p:cNvSpPr/>
-          <p:nvPr/>
-        </p:nvSpPr>
-        <p:spPr>
-          <a:xfrm>
-            <a:off x="381000" y="971550"/>
-            <a:ext cx="8458200" cy="369332"/>
-          </a:xfrm>
-          <a:prstGeom prst="rect">
-            <a:avLst/>
-          </a:prstGeom>
-        </p:spPr>
-        <p:txBody>
-          <a:bodyPr wrap="square">
-            <a:spAutoFit/>
-          </a:bodyPr>
-          <a:lstStyle/>
-          <a:p>
-            <a:r>
-              <a:rPr lang="en-US" sz="1600" b="1" dirty="0" err="1">
-                <a:latin typeface="Roboto" panose="02000000000000000000" pitchFamily="2" charset="0"/>
-                <a:ea typeface="Roboto" panose="02000000000000000000" pitchFamily="2" charset="0"/>
-              </a:rPr>
-              <a:t>addAll</a:t>
-            </a:r>
-            <a:r>
-              <a:rPr lang="en-US" sz="1600" b="1" dirty="0">
-                <a:latin typeface="Roboto" panose="02000000000000000000" pitchFamily="2" charset="0"/>
-                <a:ea typeface="Roboto" panose="02000000000000000000" pitchFamily="2" charset="0"/>
-              </a:rPr>
-              <a:t>() -</a:t>
-            </a:r>
-            <a:r>
-              <a:rPr lang="en-US" sz="1600" dirty="0">
-                <a:latin typeface="Roboto" panose="02000000000000000000" pitchFamily="2" charset="0"/>
-                <a:ea typeface="Roboto" panose="02000000000000000000" pitchFamily="2" charset="0"/>
-              </a:rPr>
-              <a:t> It adds multiple key-value pairs of other. The syntax is given below</a:t>
-            </a:r>
-            <a:r>
-              <a:rPr lang="en-US" dirty="0">
-                <a:latin typeface="Roboto" panose="02000000000000000000" pitchFamily="2" charset="0"/>
-                <a:ea typeface="Roboto" panose="02000000000000000000" pitchFamily="2" charset="0"/>
-              </a:rPr>
-              <a:t>.</a:t>
-            </a:r>
           </a:p>
         </p:txBody>
       </p:sp>
       <p:pic>
         <p:nvPicPr>
-          <p:cNvPr id="6" name="Picture 5"/>
+          <p:cNvPr id="5" name="Picture 4"/>
           <p:cNvPicPr>
             <a:picLocks noChangeAspect="1"/>
           </p:cNvPicPr>
@@ -3814,8 +3805,8 @@
         </p:blipFill>
         <p:spPr>
           <a:xfrm>
-            <a:off x="381000" y="1504950"/>
-            <a:ext cx="4895850" cy="1344821"/>
+            <a:off x="304800" y="895350"/>
+            <a:ext cx="8533589" cy="2514600"/>
           </a:xfrm>
           <a:prstGeom prst="rect">
             <a:avLst/>
@@ -3825,7 +3816,7 @@
     </p:spTree>
     <p:extLst>
       <p:ext uri="{BB962C8B-B14F-4D97-AF65-F5344CB8AC3E}">
-        <p14:creationId xmlns:p14="http://schemas.microsoft.com/office/powerpoint/2010/main" val="2451055700"/>
+        <p14:creationId xmlns:p14="http://schemas.microsoft.com/office/powerpoint/2010/main" val="1354494392"/>
       </p:ext>
     </p:extLst>
   </p:cSld>
@@ -3902,8 +3893,8 @@
         </p:nvSpPr>
         <p:spPr>
           <a:xfrm>
-            <a:off x="304800" y="895350"/>
-            <a:ext cx="8458200" cy="338554"/>
+            <a:off x="381000" y="971550"/>
+            <a:ext cx="8458200" cy="369332"/>
           </a:xfrm>
           <a:prstGeom prst="rect">
             <a:avLst/>
@@ -3916,31 +3907,39 @@
           <a:lstStyle/>
           <a:p>
             <a:r>
-              <a:rPr lang="en-US" sz="1600" dirty="0" err="1"/>
-              <a:t>Map.clear</a:t>
-            </a:r>
-            <a:r>
-              <a:rPr lang="en-US" sz="1600" dirty="0"/>
-              <a:t>()  </a:t>
-            </a:r>
-            <a:r>
-              <a:rPr lang="en-US" sz="1600" b="1" dirty="0"/>
-              <a:t>-</a:t>
-            </a:r>
-            <a:r>
-              <a:rPr lang="en-US" sz="1600" dirty="0"/>
-              <a:t> It eliminates all pairs from the map. </a:t>
-            </a:r>
-            <a:endParaRPr lang="en-US" dirty="0">
-              <a:latin typeface="Roboto" panose="02000000000000000000" pitchFamily="2" charset="0"/>
-              <a:ea typeface="Roboto" panose="02000000000000000000" pitchFamily="2" charset="0"/>
-            </a:endParaRPr>
+              <a:rPr lang="en-US" sz="1600" b="1" dirty="0" err="1">
+                <a:latin typeface="Roboto" panose="02000000000000000000" pitchFamily="2" charset="0"/>
+                <a:ea typeface="Roboto" panose="02000000000000000000" pitchFamily="2" charset="0"/>
+              </a:rPr>
+              <a:t>addAll</a:t>
+            </a:r>
+            <a:r>
+              <a:rPr lang="en-US" sz="1600" b="1" dirty="0">
+                <a:latin typeface="Roboto" panose="02000000000000000000" pitchFamily="2" charset="0"/>
+                <a:ea typeface="Roboto" panose="02000000000000000000" pitchFamily="2" charset="0"/>
+              </a:rPr>
+              <a:t>() -</a:t>
+            </a:r>
+            <a:r>
+              <a:rPr lang="en-US" sz="1600" dirty="0">
+                <a:latin typeface="Roboto" panose="02000000000000000000" pitchFamily="2" charset="0"/>
+                <a:ea typeface="Roboto" panose="02000000000000000000" pitchFamily="2" charset="0"/>
+              </a:rPr>
+              <a:t> It adds multiple key-value pairs of other. The syntax is given below</a:t>
+            </a:r>
+            <a:r>
+              <a:rPr lang="en-US" dirty="0">
+                <a:latin typeface="Roboto" panose="02000000000000000000" pitchFamily="2" charset="0"/>
+                <a:ea typeface="Roboto" panose="02000000000000000000" pitchFamily="2" charset="0"/>
+              </a:rPr>
+              <a:t>.</a:t>
+            </a:r>
           </a:p>
         </p:txBody>
       </p:sp>
       <p:pic>
         <p:nvPicPr>
-          <p:cNvPr id="2" name="Picture 1"/>
+          <p:cNvPr id="6" name="Picture 5"/>
           <p:cNvPicPr>
             <a:picLocks noChangeAspect="1"/>
           </p:cNvPicPr>
@@ -3954,8 +3953,8 @@
         </p:blipFill>
         <p:spPr>
           <a:xfrm>
-            <a:off x="381000" y="1352550"/>
-            <a:ext cx="4810125" cy="1578730"/>
+            <a:off x="381000" y="1504950"/>
+            <a:ext cx="4895850" cy="1344821"/>
           </a:xfrm>
           <a:prstGeom prst="rect">
             <a:avLst/>
@@ -3965,7 +3964,7 @@
     </p:spTree>
     <p:extLst>
       <p:ext uri="{BB962C8B-B14F-4D97-AF65-F5344CB8AC3E}">
-        <p14:creationId xmlns:p14="http://schemas.microsoft.com/office/powerpoint/2010/main" val="1695328110"/>
+        <p14:creationId xmlns:p14="http://schemas.microsoft.com/office/powerpoint/2010/main" val="2451055700"/>
       </p:ext>
     </p:extLst>
   </p:cSld>
@@ -4056,8 +4055,20 @@
           <a:lstStyle/>
           <a:p>
             <a:r>
+              <a:rPr lang="en-US" sz="1600" dirty="0" err="1"/>
+              <a:t>Map.clear</a:t>
+            </a:r>
+            <a:r>
               <a:rPr lang="en-US" sz="1600" dirty="0"/>
-              <a:t>remove() - It removes the key and its associated value if it exists in the given map. </a:t>
+              <a:t>()  </a:t>
+            </a:r>
+            <a:r>
+              <a:rPr lang="en-US" sz="1600" b="1" dirty="0"/>
+              <a:t>-</a:t>
+            </a:r>
+            <a:r>
+              <a:rPr lang="en-US" sz="1600" dirty="0"/>
+              <a:t> It eliminates all pairs from the map. </a:t>
             </a:r>
             <a:endParaRPr lang="en-US" dirty="0">
               <a:latin typeface="Roboto" panose="02000000000000000000" pitchFamily="2" charset="0"/>
@@ -4068,7 +4079,7 @@
       </p:sp>
       <p:pic>
         <p:nvPicPr>
-          <p:cNvPr id="5" name="Picture 4"/>
+          <p:cNvPr id="2" name="Picture 1"/>
           <p:cNvPicPr>
             <a:picLocks noChangeAspect="1"/>
           </p:cNvPicPr>
@@ -4082,8 +4093,8 @@
         </p:blipFill>
         <p:spPr>
           <a:xfrm>
-            <a:off x="381000" y="1428750"/>
-            <a:ext cx="5072529" cy="2000250"/>
+            <a:off x="381000" y="1352550"/>
+            <a:ext cx="4810125" cy="1578730"/>
           </a:xfrm>
           <a:prstGeom prst="rect">
             <a:avLst/>
@@ -4093,7 +4104,7 @@
     </p:spTree>
     <p:extLst>
       <p:ext uri="{BB962C8B-B14F-4D97-AF65-F5344CB8AC3E}">
-        <p14:creationId xmlns:p14="http://schemas.microsoft.com/office/powerpoint/2010/main" val="2775611217"/>
+        <p14:creationId xmlns:p14="http://schemas.microsoft.com/office/powerpoint/2010/main" val="1695328110"/>
       </p:ext>
     </p:extLst>
   </p:cSld>
@@ -4221,6 +4232,134 @@
     </p:spTree>
     <p:extLst>
       <p:ext uri="{BB962C8B-B14F-4D97-AF65-F5344CB8AC3E}">
+        <p14:creationId xmlns:p14="http://schemas.microsoft.com/office/powerpoint/2010/main" val="2775611217"/>
+      </p:ext>
+    </p:extLst>
+  </p:cSld>
+  <p:clrMapOvr>
+    <a:masterClrMapping/>
+  </p:clrMapOvr>
+  <p:timing>
+    <p:tnLst>
+      <p:par>
+        <p:cTn id="1" dur="indefinite" restart="never" nodeType="tmRoot"/>
+      </p:par>
+    </p:tnLst>
+  </p:timing>
+</p:sld>
+</file>
+
+<file path=ppt/slides/slide18.xml><?xml version="1.0" encoding="utf-8"?>
+<p:sld xmlns:a="http://schemas.openxmlformats.org/drawingml/2006/main" xmlns:r="http://schemas.openxmlformats.org/officeDocument/2006/relationships" xmlns:p="http://schemas.openxmlformats.org/presentationml/2006/main">
+  <p:cSld>
+    <p:spTree>
+      <p:nvGrpSpPr>
+        <p:cNvPr id="1" name=""/>
+        <p:cNvGrpSpPr/>
+        <p:nvPr/>
+      </p:nvGrpSpPr>
+      <p:grpSpPr>
+        <a:xfrm>
+          <a:off x="0" y="0"/>
+          <a:ext cx="0" cy="0"/>
+          <a:chOff x="0" y="0"/>
+          <a:chExt cx="0" cy="0"/>
+        </a:xfrm>
+      </p:grpSpPr>
+      <p:sp>
+        <p:nvSpPr>
+          <p:cNvPr id="3" name="Rectangle 2"/>
+          <p:cNvSpPr/>
+          <p:nvPr/>
+        </p:nvSpPr>
+        <p:spPr>
+          <a:xfrm>
+            <a:off x="685800" y="133350"/>
+            <a:ext cx="1611339" cy="369332"/>
+          </a:xfrm>
+          <a:prstGeom prst="rect">
+            <a:avLst/>
+          </a:prstGeom>
+        </p:spPr>
+        <p:txBody>
+          <a:bodyPr wrap="none">
+            <a:spAutoFit/>
+          </a:bodyPr>
+          <a:lstStyle/>
+          <a:p>
+            <a:r>
+              <a:rPr lang="en-US" b="1" dirty="0">
+                <a:solidFill>
+                  <a:srgbClr val="0070C0"/>
+                </a:solidFill>
+                <a:latin typeface="Roboto" panose="02000000000000000000" pitchFamily="2" charset="0"/>
+                <a:ea typeface="Roboto" panose="02000000000000000000" pitchFamily="2" charset="0"/>
+              </a:rPr>
+              <a:t>Map Methods</a:t>
+            </a:r>
+            <a:endParaRPr lang="en-US" b="1" dirty="0"/>
+          </a:p>
+        </p:txBody>
+      </p:sp>
+      <p:sp>
+        <p:nvSpPr>
+          <p:cNvPr id="4" name="Rectangle 3"/>
+          <p:cNvSpPr/>
+          <p:nvPr/>
+        </p:nvSpPr>
+        <p:spPr>
+          <a:xfrm>
+            <a:off x="304800" y="895350"/>
+            <a:ext cx="8458200" cy="338554"/>
+          </a:xfrm>
+          <a:prstGeom prst="rect">
+            <a:avLst/>
+          </a:prstGeom>
+        </p:spPr>
+        <p:txBody>
+          <a:bodyPr wrap="square">
+            <a:spAutoFit/>
+          </a:bodyPr>
+          <a:lstStyle/>
+          <a:p>
+            <a:r>
+              <a:rPr lang="en-US" sz="1600" dirty="0"/>
+              <a:t>remove() - It removes the key and its associated value if it exists in the given map. </a:t>
+            </a:r>
+            <a:endParaRPr lang="en-US" dirty="0">
+              <a:latin typeface="Roboto" panose="02000000000000000000" pitchFamily="2" charset="0"/>
+              <a:ea typeface="Roboto" panose="02000000000000000000" pitchFamily="2" charset="0"/>
+            </a:endParaRPr>
+          </a:p>
+        </p:txBody>
+      </p:sp>
+      <p:pic>
+        <p:nvPicPr>
+          <p:cNvPr id="5" name="Picture 4"/>
+          <p:cNvPicPr>
+            <a:picLocks noChangeAspect="1"/>
+          </p:cNvPicPr>
+          <p:nvPr/>
+        </p:nvPicPr>
+        <p:blipFill>
+          <a:blip r:embed="rId2"/>
+          <a:stretch>
+            <a:fillRect/>
+          </a:stretch>
+        </p:blipFill>
+        <p:spPr>
+          <a:xfrm>
+            <a:off x="381000" y="1428750"/>
+            <a:ext cx="5072529" cy="2000250"/>
+          </a:xfrm>
+          <a:prstGeom prst="rect">
+            <a:avLst/>
+          </a:prstGeom>
+        </p:spPr>
+      </p:pic>
+    </p:spTree>
+    <p:extLst>
+      <p:ext uri="{BB962C8B-B14F-4D97-AF65-F5344CB8AC3E}">
         <p14:creationId xmlns:p14="http://schemas.microsoft.com/office/powerpoint/2010/main" val="3645164404"/>
       </p:ext>
     </p:extLst>
@@ -4238,7 +4377,7 @@
 </p:sld>
 </file>
 
-<file path=ppt/slides/slide18.xml><?xml version="1.0" encoding="utf-8"?>
+<file path=ppt/slides/slide19.xml><?xml version="1.0" encoding="utf-8"?>
 <p:sld xmlns:a="http://schemas.openxmlformats.org/drawingml/2006/main" xmlns:r="http://schemas.openxmlformats.org/officeDocument/2006/relationships" xmlns:p="http://schemas.openxmlformats.org/presentationml/2006/main">
   <p:cSld>
     <p:spTree>
@@ -4392,7 +4531,7 @@
         <p:spPr>
           <a:xfrm>
             <a:off x="685800" y="133350"/>
-            <a:ext cx="2425664" cy="369332"/>
+            <a:ext cx="1083951" cy="369332"/>
           </a:xfrm>
           <a:prstGeom prst="rect">
             <a:avLst/>
@@ -4412,8 +4551,25 @@
                 <a:latin typeface="Roboto" panose="02000000000000000000" pitchFamily="2" charset="0"/>
                 <a:ea typeface="Roboto" panose="02000000000000000000" pitchFamily="2" charset="0"/>
               </a:rPr>
-              <a:t> Add Element into Set</a:t>
-            </a:r>
+              <a:t> </a:t>
+            </a:r>
+            <a:r>
+              <a:rPr lang="en-US" b="1" dirty="0" smtClean="0">
+                <a:solidFill>
+                  <a:srgbClr val="0070C0"/>
+                </a:solidFill>
+                <a:latin typeface="Roboto" panose="02000000000000000000" pitchFamily="2" charset="0"/>
+                <a:ea typeface="Roboto" panose="02000000000000000000" pitchFamily="2" charset="0"/>
+              </a:rPr>
+              <a:t>Dart Set</a:t>
+            </a:r>
+            <a:endParaRPr lang="en-US" b="1" dirty="0">
+              <a:solidFill>
+                <a:srgbClr val="0070C0"/>
+              </a:solidFill>
+              <a:latin typeface="Roboto" panose="02000000000000000000" pitchFamily="2" charset="0"/>
+              <a:ea typeface="Roboto" panose="02000000000000000000" pitchFamily="2" charset="0"/>
+            </a:endParaRPr>
           </a:p>
         </p:txBody>
       </p:sp>
@@ -4426,7 +4582,7 @@
         <p:spPr>
           <a:xfrm>
             <a:off x="152400" y="895350"/>
-            <a:ext cx="8153400" cy="307777"/>
+            <a:ext cx="8153400" cy="954107"/>
           </a:xfrm>
           <a:prstGeom prst="rect">
             <a:avLst/>
@@ -4443,39 +4599,59 @@
               <a:buChar char="•"/>
             </a:pPr>
             <a:r>
-              <a:rPr lang="en-US" sz="1400" dirty="0">
-                <a:latin typeface="Roboto" panose="02000000000000000000" pitchFamily="2" charset="0"/>
-                <a:ea typeface="Roboto" panose="02000000000000000000" pitchFamily="2" charset="0"/>
-              </a:rPr>
-              <a:t>The Dart provides the two methods </a:t>
-            </a:r>
-            <a:r>
-              <a:rPr lang="en-US" sz="1400" b="1" dirty="0">
-                <a:latin typeface="Roboto" panose="02000000000000000000" pitchFamily="2" charset="0"/>
-                <a:ea typeface="Roboto" panose="02000000000000000000" pitchFamily="2" charset="0"/>
-              </a:rPr>
-              <a:t>add() and </a:t>
-            </a:r>
-            <a:r>
-              <a:rPr lang="en-US" sz="1400" b="1" dirty="0" err="1">
-                <a:latin typeface="Roboto" panose="02000000000000000000" pitchFamily="2" charset="0"/>
-                <a:ea typeface="Roboto" panose="02000000000000000000" pitchFamily="2" charset="0"/>
-              </a:rPr>
-              <a:t>addAll</a:t>
-            </a:r>
-            <a:r>
-              <a:rPr lang="en-US" sz="1400" b="1" dirty="0">
-                <a:latin typeface="Roboto" panose="02000000000000000000" pitchFamily="2" charset="0"/>
-                <a:ea typeface="Roboto" panose="02000000000000000000" pitchFamily="2" charset="0"/>
-              </a:rPr>
-              <a:t>() </a:t>
-            </a:r>
-            <a:r>
-              <a:rPr lang="en-US" sz="1400" dirty="0">
-                <a:latin typeface="Roboto" panose="02000000000000000000" pitchFamily="2" charset="0"/>
-                <a:ea typeface="Roboto" panose="02000000000000000000" pitchFamily="2" charset="0"/>
-              </a:rPr>
-              <a:t>to insert an element into the given set. </a:t>
+              <a:rPr lang="en-US" sz="1400" dirty="0"/>
+              <a:t>The Dart Set is the unordered collection of the different values of the same type</a:t>
+            </a:r>
+            <a:r>
+              <a:rPr lang="en-US" sz="1400" dirty="0" smtClean="0"/>
+              <a:t>.</a:t>
+            </a:r>
+          </a:p>
+          <a:p>
+            <a:pPr marL="285750" indent="-285750">
+              <a:buFont typeface="Arial" panose="020B0604020202020204" pitchFamily="34" charset="0"/>
+              <a:buChar char="•"/>
+            </a:pPr>
+            <a:r>
+              <a:rPr lang="en-US" sz="1400" smtClean="0"/>
+              <a:t>It </a:t>
+            </a:r>
+            <a:r>
+              <a:rPr lang="en-US" sz="1400" dirty="0"/>
+              <a:t>has much functionality, which is the same as an array, but it is unordered. </a:t>
+            </a:r>
+            <a:endParaRPr lang="en-US" sz="1400" dirty="0" smtClean="0"/>
+          </a:p>
+          <a:p>
+            <a:pPr marL="285750" indent="-285750">
+              <a:buFont typeface="Arial" panose="020B0604020202020204" pitchFamily="34" charset="0"/>
+              <a:buChar char="•"/>
+            </a:pPr>
+            <a:r>
+              <a:rPr lang="en-US" sz="1400" dirty="0" smtClean="0"/>
+              <a:t>Set </a:t>
+            </a:r>
+            <a:r>
+              <a:rPr lang="en-US" sz="1400" dirty="0"/>
+              <a:t>doesn't allow storing the duplicate values. </a:t>
+            </a:r>
+            <a:r>
+              <a:rPr lang="en-US" sz="1400" dirty="0" smtClean="0"/>
+              <a:t>T</a:t>
+            </a:r>
+          </a:p>
+          <a:p>
+            <a:pPr marL="285750" indent="-285750">
+              <a:buFont typeface="Arial" panose="020B0604020202020204" pitchFamily="34" charset="0"/>
+              <a:buChar char="•"/>
+            </a:pPr>
+            <a:r>
+              <a:rPr lang="en-US" sz="1400" dirty="0" smtClean="0"/>
+              <a:t>he </a:t>
+            </a:r>
+            <a:r>
+              <a:rPr lang="en-US" sz="1400" dirty="0"/>
+              <a:t>set must contain unique values.</a:t>
             </a:r>
             <a:endParaRPr lang="en-US" sz="1400" dirty="0" smtClean="0">
               <a:latin typeface="Roboto" panose="02000000000000000000" pitchFamily="2" charset="0"/>
@@ -4484,54 +4660,6 @@
           </a:p>
         </p:txBody>
       </p:sp>
-      <p:pic>
-        <p:nvPicPr>
-          <p:cNvPr id="8" name="Picture 7"/>
-          <p:cNvPicPr>
-            <a:picLocks noChangeAspect="1"/>
-          </p:cNvPicPr>
-          <p:nvPr/>
-        </p:nvPicPr>
-        <p:blipFill>
-          <a:blip r:embed="rId2"/>
-          <a:stretch>
-            <a:fillRect/>
-          </a:stretch>
-        </p:blipFill>
-        <p:spPr>
-          <a:xfrm>
-            <a:off x="381000" y="1352550"/>
-            <a:ext cx="6353175" cy="1435746"/>
-          </a:xfrm>
-          <a:prstGeom prst="rect">
-            <a:avLst/>
-          </a:prstGeom>
-        </p:spPr>
-      </p:pic>
-      <p:pic>
-        <p:nvPicPr>
-          <p:cNvPr id="9" name="Picture 8"/>
-          <p:cNvPicPr>
-            <a:picLocks noChangeAspect="1"/>
-          </p:cNvPicPr>
-          <p:nvPr/>
-        </p:nvPicPr>
-        <p:blipFill>
-          <a:blip r:embed="rId3"/>
-          <a:stretch>
-            <a:fillRect/>
-          </a:stretch>
-        </p:blipFill>
-        <p:spPr>
-          <a:xfrm>
-            <a:off x="381000" y="2937719"/>
-            <a:ext cx="6406665" cy="1539031"/>
-          </a:xfrm>
-          <a:prstGeom prst="rect">
-            <a:avLst/>
-          </a:prstGeom>
-        </p:spPr>
-      </p:pic>
     </p:spTree>
     <p:extLst>
       <p:ext uri="{BB962C8B-B14F-4D97-AF65-F5344CB8AC3E}">
@@ -4721,7 +4849,7 @@
     </p:spTree>
     <p:extLst>
       <p:ext uri="{BB962C8B-B14F-4D97-AF65-F5344CB8AC3E}">
-        <p14:creationId xmlns:p14="http://schemas.microsoft.com/office/powerpoint/2010/main" val="2729183881"/>
+        <p14:creationId xmlns:p14="http://schemas.microsoft.com/office/powerpoint/2010/main" val="1718440288"/>
       </p:ext>
     </p:extLst>
   </p:cSld>
@@ -4764,7 +4892,7 @@
         <p:spPr>
           <a:xfrm>
             <a:off x="685800" y="133350"/>
-            <a:ext cx="2702984" cy="369332"/>
+            <a:ext cx="2425664" cy="369332"/>
           </a:xfrm>
           <a:prstGeom prst="rect">
             <a:avLst/>
@@ -4784,7 +4912,7 @@
                 <a:latin typeface="Roboto" panose="02000000000000000000" pitchFamily="2" charset="0"/>
                 <a:ea typeface="Roboto" panose="02000000000000000000" pitchFamily="2" charset="0"/>
               </a:rPr>
-              <a:t> Access the Set Element</a:t>
+              <a:t> Add Element into Set</a:t>
             </a:r>
           </a:p>
         </p:txBody>
@@ -4798,7 +4926,7 @@
         <p:spPr>
           <a:xfrm>
             <a:off x="152400" y="895350"/>
-            <a:ext cx="8153400" cy="523220"/>
+            <a:ext cx="8153400" cy="307777"/>
           </a:xfrm>
           <a:prstGeom prst="rect">
             <a:avLst/>
@@ -4819,21 +4947,35 @@
                 <a:latin typeface="Roboto" panose="02000000000000000000" pitchFamily="2" charset="0"/>
                 <a:ea typeface="Roboto" panose="02000000000000000000" pitchFamily="2" charset="0"/>
               </a:rPr>
-              <a:t>Dart provides the </a:t>
-            </a:r>
-            <a:r>
-              <a:rPr lang="en-US" sz="1400" dirty="0" err="1">
+              <a:t>The Dart provides the two methods </a:t>
+            </a:r>
+            <a:r>
+              <a:rPr lang="en-US" sz="1400" b="1" dirty="0">
                 <a:latin typeface="Roboto" panose="02000000000000000000" pitchFamily="2" charset="0"/>
                 <a:ea typeface="Roboto" panose="02000000000000000000" pitchFamily="2" charset="0"/>
               </a:rPr>
-              <a:t>elementAt</a:t>
+              <a:t>add() and </a:t>
+            </a:r>
+            <a:r>
+              <a:rPr lang="en-US" sz="1400" b="1" dirty="0" err="1">
+                <a:latin typeface="Roboto" panose="02000000000000000000" pitchFamily="2" charset="0"/>
+                <a:ea typeface="Roboto" panose="02000000000000000000" pitchFamily="2" charset="0"/>
+              </a:rPr>
+              <a:t>addAll</a:t>
+            </a:r>
+            <a:r>
+              <a:rPr lang="en-US" sz="1400" b="1" dirty="0">
+                <a:latin typeface="Roboto" panose="02000000000000000000" pitchFamily="2" charset="0"/>
+                <a:ea typeface="Roboto" panose="02000000000000000000" pitchFamily="2" charset="0"/>
+              </a:rPr>
+              <a:t>() </a:t>
             </a:r>
             <a:r>
               <a:rPr lang="en-US" sz="1400" dirty="0">
                 <a:latin typeface="Roboto" panose="02000000000000000000" pitchFamily="2" charset="0"/>
                 <a:ea typeface="Roboto" panose="02000000000000000000" pitchFamily="2" charset="0"/>
               </a:rPr>
-              <a:t>() method, which is used to access the item by passing its specified index position. </a:t>
+              <a:t>to insert an element into the given set. </a:t>
             </a:r>
             <a:endParaRPr lang="en-US" sz="1400" dirty="0" smtClean="0">
               <a:latin typeface="Roboto" panose="02000000000000000000" pitchFamily="2" charset="0"/>
@@ -4844,7 +4986,7 @@
       </p:sp>
       <p:pic>
         <p:nvPicPr>
-          <p:cNvPr id="4" name="Picture 3"/>
+          <p:cNvPr id="8" name="Picture 7"/>
           <p:cNvPicPr>
             <a:picLocks noChangeAspect="1"/>
           </p:cNvPicPr>
@@ -4858,8 +5000,32 @@
         </p:blipFill>
         <p:spPr>
           <a:xfrm>
-            <a:off x="457200" y="1504950"/>
-            <a:ext cx="5995753" cy="1390650"/>
+            <a:off x="381000" y="1352550"/>
+            <a:ext cx="6353175" cy="1435746"/>
+          </a:xfrm>
+          <a:prstGeom prst="rect">
+            <a:avLst/>
+          </a:prstGeom>
+        </p:spPr>
+      </p:pic>
+      <p:pic>
+        <p:nvPicPr>
+          <p:cNvPr id="9" name="Picture 8"/>
+          <p:cNvPicPr>
+            <a:picLocks noChangeAspect="1"/>
+          </p:cNvPicPr>
+          <p:nvPr/>
+        </p:nvPicPr>
+        <p:blipFill>
+          <a:blip r:embed="rId3"/>
+          <a:stretch>
+            <a:fillRect/>
+          </a:stretch>
+        </p:blipFill>
+        <p:spPr>
+          <a:xfrm>
+            <a:off x="381000" y="2937719"/>
+            <a:ext cx="6406665" cy="1539031"/>
           </a:xfrm>
           <a:prstGeom prst="rect">
             <a:avLst/>
@@ -4869,7 +5035,7 @@
     </p:spTree>
     <p:extLst>
       <p:ext uri="{BB962C8B-B14F-4D97-AF65-F5344CB8AC3E}">
-        <p14:creationId xmlns:p14="http://schemas.microsoft.com/office/powerpoint/2010/main" val="1042669312"/>
+        <p14:creationId xmlns:p14="http://schemas.microsoft.com/office/powerpoint/2010/main" val="2729183881"/>
       </p:ext>
     </p:extLst>
   </p:cSld>
@@ -4912,7 +5078,7 @@
         <p:spPr>
           <a:xfrm>
             <a:off x="685800" y="133350"/>
-            <a:ext cx="2893741" cy="369332"/>
+            <a:ext cx="2702984" cy="369332"/>
           </a:xfrm>
           <a:prstGeom prst="rect">
             <a:avLst/>
@@ -4932,7 +5098,7 @@
                 <a:latin typeface="Roboto" panose="02000000000000000000" pitchFamily="2" charset="0"/>
                 <a:ea typeface="Roboto" panose="02000000000000000000" pitchFamily="2" charset="0"/>
               </a:rPr>
-              <a:t> Dart Remove Set Element</a:t>
+              <a:t> Access the Set Element</a:t>
             </a:r>
           </a:p>
         </p:txBody>
@@ -4946,7 +5112,7 @@
         <p:spPr>
           <a:xfrm>
             <a:off x="152400" y="895350"/>
-            <a:ext cx="8153400" cy="307777"/>
+            <a:ext cx="8153400" cy="523220"/>
           </a:xfrm>
           <a:prstGeom prst="rect">
             <a:avLst/>
@@ -4967,7 +5133,21 @@
                 <a:latin typeface="Roboto" panose="02000000000000000000" pitchFamily="2" charset="0"/>
                 <a:ea typeface="Roboto" panose="02000000000000000000" pitchFamily="2" charset="0"/>
               </a:rPr>
-              <a:t>The remove() method is used to eliminate or remove an element from the given set.</a:t>
+              <a:t>Dart provides the </a:t>
+            </a:r>
+            <a:r>
+              <a:rPr lang="en-US" sz="1400" dirty="0" err="1">
+                <a:latin typeface="Roboto" panose="02000000000000000000" pitchFamily="2" charset="0"/>
+                <a:ea typeface="Roboto" panose="02000000000000000000" pitchFamily="2" charset="0"/>
+              </a:rPr>
+              <a:t>elementAt</a:t>
+            </a:r>
+            <a:r>
+              <a:rPr lang="en-US" sz="1400" dirty="0">
+                <a:latin typeface="Roboto" panose="02000000000000000000" pitchFamily="2" charset="0"/>
+                <a:ea typeface="Roboto" panose="02000000000000000000" pitchFamily="2" charset="0"/>
+              </a:rPr>
+              <a:t>() method, which is used to access the item by passing its specified index position. </a:t>
             </a:r>
             <a:endParaRPr lang="en-US" sz="1400" dirty="0" smtClean="0">
               <a:latin typeface="Roboto" panose="02000000000000000000" pitchFamily="2" charset="0"/>
@@ -4978,7 +5158,7 @@
       </p:sp>
       <p:pic>
         <p:nvPicPr>
-          <p:cNvPr id="5" name="Picture 4"/>
+          <p:cNvPr id="4" name="Picture 3"/>
           <p:cNvPicPr>
             <a:picLocks noChangeAspect="1"/>
           </p:cNvPicPr>
@@ -4992,8 +5172,8 @@
         </p:blipFill>
         <p:spPr>
           <a:xfrm>
-            <a:off x="533400" y="1352550"/>
-            <a:ext cx="5343449" cy="1276350"/>
+            <a:off x="457200" y="1504950"/>
+            <a:ext cx="5995753" cy="1390650"/>
           </a:xfrm>
           <a:prstGeom prst="rect">
             <a:avLst/>
@@ -5003,7 +5183,7 @@
     </p:spTree>
     <p:extLst>
       <p:ext uri="{BB962C8B-B14F-4D97-AF65-F5344CB8AC3E}">
-        <p14:creationId xmlns:p14="http://schemas.microsoft.com/office/powerpoint/2010/main" val="4186628180"/>
+        <p14:creationId xmlns:p14="http://schemas.microsoft.com/office/powerpoint/2010/main" val="1042669312"/>
       </p:ext>
     </p:extLst>
   </p:cSld>
@@ -5046,7 +5226,7 @@
         <p:spPr>
           <a:xfrm>
             <a:off x="685800" y="133350"/>
-            <a:ext cx="3228769" cy="369332"/>
+            <a:ext cx="2893741" cy="369332"/>
           </a:xfrm>
           <a:prstGeom prst="rect">
             <a:avLst/>
@@ -5066,7 +5246,7 @@
                 <a:latin typeface="Roboto" panose="02000000000000000000" pitchFamily="2" charset="0"/>
                 <a:ea typeface="Roboto" panose="02000000000000000000" pitchFamily="2" charset="0"/>
               </a:rPr>
-              <a:t> Dart Remove All Set Element</a:t>
+              <a:t> Dart Remove Set Element</a:t>
             </a:r>
           </a:p>
         </p:txBody>
@@ -5101,7 +5281,7 @@
                 <a:latin typeface="Roboto" panose="02000000000000000000" pitchFamily="2" charset="0"/>
                 <a:ea typeface="Roboto" panose="02000000000000000000" pitchFamily="2" charset="0"/>
               </a:rPr>
-              <a:t>We can remove entire set element by using the clear() methods.</a:t>
+              <a:t>The remove() method is used to eliminate or remove an element from the given set.</a:t>
             </a:r>
             <a:endParaRPr lang="en-US" sz="1400" dirty="0" smtClean="0">
               <a:latin typeface="Roboto" panose="02000000000000000000" pitchFamily="2" charset="0"/>
@@ -5112,7 +5292,7 @@
       </p:sp>
       <p:pic>
         <p:nvPicPr>
-          <p:cNvPr id="4" name="Picture 3"/>
+          <p:cNvPr id="5" name="Picture 4"/>
           <p:cNvPicPr>
             <a:picLocks noChangeAspect="1"/>
           </p:cNvPicPr>
@@ -5126,8 +5306,8 @@
         </p:blipFill>
         <p:spPr>
           <a:xfrm>
-            <a:off x="533400" y="1276350"/>
-            <a:ext cx="4467225" cy="1037470"/>
+            <a:off x="533400" y="1352550"/>
+            <a:ext cx="5343449" cy="1276350"/>
           </a:xfrm>
           <a:prstGeom prst="rect">
             <a:avLst/>
@@ -5137,7 +5317,7 @@
     </p:spTree>
     <p:extLst>
       <p:ext uri="{BB962C8B-B14F-4D97-AF65-F5344CB8AC3E}">
-        <p14:creationId xmlns:p14="http://schemas.microsoft.com/office/powerpoint/2010/main" val="1420149644"/>
+        <p14:creationId xmlns:p14="http://schemas.microsoft.com/office/powerpoint/2010/main" val="4186628180"/>
       </p:ext>
     </p:extLst>
   </p:cSld>
@@ -5180,7 +5360,7 @@
         <p:spPr>
           <a:xfrm>
             <a:off x="685800" y="133350"/>
-            <a:ext cx="2228495" cy="369332"/>
+            <a:ext cx="3228769" cy="369332"/>
           </a:xfrm>
           <a:prstGeom prst="rect">
             <a:avLst/>
@@ -5200,14 +5380,53 @@
                 <a:latin typeface="Roboto" panose="02000000000000000000" pitchFamily="2" charset="0"/>
                 <a:ea typeface="Roboto" panose="02000000000000000000" pitchFamily="2" charset="0"/>
               </a:rPr>
-              <a:t> Dart Set Properties</a:t>
-            </a:r>
+              <a:t> Dart Remove All Set Element</a:t>
+            </a:r>
+          </a:p>
+        </p:txBody>
+      </p:sp>
+      <p:sp>
+        <p:nvSpPr>
+          <p:cNvPr id="2" name="Rectangle 1"/>
+          <p:cNvSpPr/>
+          <p:nvPr/>
+        </p:nvSpPr>
+        <p:spPr>
+          <a:xfrm>
+            <a:off x="152400" y="895350"/>
+            <a:ext cx="8153400" cy="307777"/>
+          </a:xfrm>
+          <a:prstGeom prst="rect">
+            <a:avLst/>
+          </a:prstGeom>
+        </p:spPr>
+        <p:txBody>
+          <a:bodyPr wrap="square">
+            <a:spAutoFit/>
+          </a:bodyPr>
+          <a:lstStyle/>
+          <a:p>
+            <a:pPr marL="285750" indent="-285750">
+              <a:buFont typeface="Arial" panose="020B0604020202020204" pitchFamily="34" charset="0"/>
+              <a:buChar char="•"/>
+            </a:pPr>
+            <a:r>
+              <a:rPr lang="en-US" sz="1400" dirty="0">
+                <a:latin typeface="Roboto" panose="02000000000000000000" pitchFamily="2" charset="0"/>
+                <a:ea typeface="Roboto" panose="02000000000000000000" pitchFamily="2" charset="0"/>
+              </a:rPr>
+              <a:t>We can remove entire set element by using the clear() methods.</a:t>
+            </a:r>
+            <a:endParaRPr lang="en-US" sz="1400" dirty="0" smtClean="0">
+              <a:latin typeface="Roboto" panose="02000000000000000000" pitchFamily="2" charset="0"/>
+              <a:ea typeface="Roboto" panose="02000000000000000000" pitchFamily="2" charset="0"/>
+            </a:endParaRPr>
           </a:p>
         </p:txBody>
       </p:sp>
       <p:pic>
         <p:nvPicPr>
-          <p:cNvPr id="5" name="Picture 4"/>
+          <p:cNvPr id="4" name="Picture 3"/>
           <p:cNvPicPr>
             <a:picLocks noChangeAspect="1"/>
           </p:cNvPicPr>
@@ -5221,8 +5440,8 @@
         </p:blipFill>
         <p:spPr>
           <a:xfrm>
-            <a:off x="304799" y="819150"/>
-            <a:ext cx="8652867" cy="3429000"/>
+            <a:off x="533400" y="1276350"/>
+            <a:ext cx="4467225" cy="1037470"/>
           </a:xfrm>
           <a:prstGeom prst="rect">
             <a:avLst/>
@@ -5232,7 +5451,7 @@
     </p:spTree>
     <p:extLst>
       <p:ext uri="{BB962C8B-B14F-4D97-AF65-F5344CB8AC3E}">
-        <p14:creationId xmlns:p14="http://schemas.microsoft.com/office/powerpoint/2010/main" val="252843712"/>
+        <p14:creationId xmlns:p14="http://schemas.microsoft.com/office/powerpoint/2010/main" val="1420149644"/>
       </p:ext>
     </p:extLst>
   </p:cSld>
@@ -5275,7 +5494,7 @@
         <p:spPr>
           <a:xfrm>
             <a:off x="685800" y="133350"/>
-            <a:ext cx="1156086" cy="369332"/>
+            <a:ext cx="2228495" cy="369332"/>
           </a:xfrm>
           <a:prstGeom prst="rect">
             <a:avLst/>
@@ -5295,196 +5514,39 @@
                 <a:latin typeface="Roboto" panose="02000000000000000000" pitchFamily="2" charset="0"/>
                 <a:ea typeface="Roboto" panose="02000000000000000000" pitchFamily="2" charset="0"/>
               </a:rPr>
-              <a:t>Dart Map</a:t>
-            </a:r>
-            <a:endParaRPr lang="en-US" b="1" dirty="0"/>
-          </a:p>
-        </p:txBody>
-      </p:sp>
-      <p:sp>
-        <p:nvSpPr>
-          <p:cNvPr id="2" name="Rectangle 1"/>
-          <p:cNvSpPr/>
+              <a:t> Dart Set Properties</a:t>
+            </a:r>
+          </a:p>
+        </p:txBody>
+      </p:sp>
+      <p:pic>
+        <p:nvPicPr>
+          <p:cNvPr id="5" name="Picture 4"/>
+          <p:cNvPicPr>
+            <a:picLocks noChangeAspect="1"/>
+          </p:cNvPicPr>
           <p:nvPr/>
-        </p:nvSpPr>
-        <p:spPr>
-          <a:xfrm>
-            <a:off x="152400" y="895350"/>
-            <a:ext cx="8839200" cy="2246769"/>
+        </p:nvPicPr>
+        <p:blipFill>
+          <a:blip r:embed="rId2"/>
+          <a:stretch>
+            <a:fillRect/>
+          </a:stretch>
+        </p:blipFill>
+        <p:spPr>
+          <a:xfrm>
+            <a:off x="304799" y="819150"/>
+            <a:ext cx="8652867" cy="3429000"/>
           </a:xfrm>
           <a:prstGeom prst="rect">
             <a:avLst/>
           </a:prstGeom>
         </p:spPr>
-        <p:txBody>
-          <a:bodyPr wrap="square">
-            <a:spAutoFit/>
-          </a:bodyPr>
-          <a:lstStyle/>
-          <a:p>
-            <a:pPr marL="285750" indent="-285750">
-              <a:lnSpc>
-                <a:spcPct val="150000"/>
-              </a:lnSpc>
-              <a:buFont typeface="Arial" panose="020B0604020202020204" pitchFamily="34" charset="0"/>
-              <a:buChar char="•"/>
-            </a:pPr>
-            <a:r>
-              <a:rPr lang="en-US" sz="1200" dirty="0">
-                <a:latin typeface="Roboto" panose="02000000000000000000" pitchFamily="2" charset="0"/>
-                <a:ea typeface="Roboto" panose="02000000000000000000" pitchFamily="2" charset="0"/>
-              </a:rPr>
-              <a:t>Dart Map is an object that stores data in the form of a key-value pair. </a:t>
-            </a:r>
-            <a:endParaRPr lang="en-US" sz="1200" dirty="0" smtClean="0">
-              <a:latin typeface="Roboto" panose="02000000000000000000" pitchFamily="2" charset="0"/>
-              <a:ea typeface="Roboto" panose="02000000000000000000" pitchFamily="2" charset="0"/>
-            </a:endParaRPr>
-          </a:p>
-          <a:p>
-            <a:pPr marL="285750" indent="-285750">
-              <a:lnSpc>
-                <a:spcPct val="150000"/>
-              </a:lnSpc>
-              <a:buFont typeface="Arial" panose="020B0604020202020204" pitchFamily="34" charset="0"/>
-              <a:buChar char="•"/>
-            </a:pPr>
-            <a:r>
-              <a:rPr lang="en-US" sz="1200" dirty="0" smtClean="0">
-                <a:latin typeface="Roboto" panose="02000000000000000000" pitchFamily="2" charset="0"/>
-                <a:ea typeface="Roboto" panose="02000000000000000000" pitchFamily="2" charset="0"/>
-              </a:rPr>
-              <a:t>Each </a:t>
-            </a:r>
-            <a:r>
-              <a:rPr lang="en-US" sz="1200" dirty="0">
-                <a:latin typeface="Roboto" panose="02000000000000000000" pitchFamily="2" charset="0"/>
-                <a:ea typeface="Roboto" panose="02000000000000000000" pitchFamily="2" charset="0"/>
-              </a:rPr>
-              <a:t>value is associated with its key, and it is used to access its corresponding value. </a:t>
-            </a:r>
-            <a:endParaRPr lang="en-US" sz="1200" dirty="0" smtClean="0">
-              <a:latin typeface="Roboto" panose="02000000000000000000" pitchFamily="2" charset="0"/>
-              <a:ea typeface="Roboto" panose="02000000000000000000" pitchFamily="2" charset="0"/>
-            </a:endParaRPr>
-          </a:p>
-          <a:p>
-            <a:pPr marL="285750" indent="-285750">
-              <a:lnSpc>
-                <a:spcPct val="150000"/>
-              </a:lnSpc>
-              <a:buFont typeface="Arial" panose="020B0604020202020204" pitchFamily="34" charset="0"/>
-              <a:buChar char="•"/>
-            </a:pPr>
-            <a:r>
-              <a:rPr lang="en-US" sz="1200" dirty="0" smtClean="0">
-                <a:latin typeface="Roboto" panose="02000000000000000000" pitchFamily="2" charset="0"/>
-                <a:ea typeface="Roboto" panose="02000000000000000000" pitchFamily="2" charset="0"/>
-              </a:rPr>
-              <a:t>Both </a:t>
-            </a:r>
-            <a:r>
-              <a:rPr lang="en-US" sz="1200" dirty="0">
-                <a:latin typeface="Roboto" panose="02000000000000000000" pitchFamily="2" charset="0"/>
-                <a:ea typeface="Roboto" panose="02000000000000000000" pitchFamily="2" charset="0"/>
-              </a:rPr>
-              <a:t>keys and values can be any type. </a:t>
-            </a:r>
-            <a:endParaRPr lang="en-US" sz="1200" dirty="0" smtClean="0">
-              <a:latin typeface="Roboto" panose="02000000000000000000" pitchFamily="2" charset="0"/>
-              <a:ea typeface="Roboto" panose="02000000000000000000" pitchFamily="2" charset="0"/>
-            </a:endParaRPr>
-          </a:p>
-          <a:p>
-            <a:pPr marL="285750" indent="-285750">
-              <a:lnSpc>
-                <a:spcPct val="150000"/>
-              </a:lnSpc>
-              <a:buFont typeface="Arial" panose="020B0604020202020204" pitchFamily="34" charset="0"/>
-              <a:buChar char="•"/>
-            </a:pPr>
-            <a:r>
-              <a:rPr lang="en-US" sz="1200" dirty="0" smtClean="0">
-                <a:latin typeface="Roboto" panose="02000000000000000000" pitchFamily="2" charset="0"/>
-                <a:ea typeface="Roboto" panose="02000000000000000000" pitchFamily="2" charset="0"/>
-              </a:rPr>
-              <a:t>In </a:t>
-            </a:r>
-            <a:r>
-              <a:rPr lang="en-US" sz="1200" dirty="0">
-                <a:latin typeface="Roboto" panose="02000000000000000000" pitchFamily="2" charset="0"/>
-                <a:ea typeface="Roboto" panose="02000000000000000000" pitchFamily="2" charset="0"/>
-              </a:rPr>
-              <a:t>Dart Map, each key must be unique, but the same value can occur multiple times</a:t>
-            </a:r>
-            <a:r>
-              <a:rPr lang="en-US" sz="1200" dirty="0" smtClean="0">
-                <a:latin typeface="Roboto" panose="02000000000000000000" pitchFamily="2" charset="0"/>
-                <a:ea typeface="Roboto" panose="02000000000000000000" pitchFamily="2" charset="0"/>
-              </a:rPr>
-              <a:t>.</a:t>
-            </a:r>
-          </a:p>
-          <a:p>
-            <a:pPr marL="285750" indent="-285750">
-              <a:lnSpc>
-                <a:spcPct val="150000"/>
-              </a:lnSpc>
-              <a:buFont typeface="Arial" panose="020B0604020202020204" pitchFamily="34" charset="0"/>
-              <a:buChar char="•"/>
-            </a:pPr>
-            <a:r>
-              <a:rPr lang="en-US" sz="1200" dirty="0">
-                <a:latin typeface="Roboto" panose="02000000000000000000" pitchFamily="2" charset="0"/>
-                <a:ea typeface="Roboto" panose="02000000000000000000" pitchFamily="2" charset="0"/>
-              </a:rPr>
-              <a:t>Dart Map can be defined in two methods.</a:t>
-            </a:r>
-          </a:p>
-          <a:p>
-            <a:pPr marL="285750" indent="-285750">
-              <a:lnSpc>
-                <a:spcPct val="150000"/>
-              </a:lnSpc>
-              <a:buFont typeface="Arial" panose="020B0604020202020204" pitchFamily="34" charset="0"/>
-              <a:buChar char="•"/>
-            </a:pPr>
-            <a:r>
-              <a:rPr lang="en-US" sz="1200" dirty="0">
-                <a:latin typeface="Roboto" panose="02000000000000000000" pitchFamily="2" charset="0"/>
-                <a:ea typeface="Roboto" panose="02000000000000000000" pitchFamily="2" charset="0"/>
-              </a:rPr>
-              <a:t>Using Map Literal</a:t>
-            </a:r>
-          </a:p>
-          <a:p>
-            <a:pPr marL="285750" indent="-285750">
-              <a:lnSpc>
-                <a:spcPct val="150000"/>
-              </a:lnSpc>
-              <a:buFont typeface="Arial" panose="020B0604020202020204" pitchFamily="34" charset="0"/>
-              <a:buChar char="•"/>
-            </a:pPr>
-            <a:r>
-              <a:rPr lang="en-US" sz="1200" dirty="0">
-                <a:latin typeface="Roboto" panose="02000000000000000000" pitchFamily="2" charset="0"/>
-                <a:ea typeface="Roboto" panose="02000000000000000000" pitchFamily="2" charset="0"/>
-              </a:rPr>
-              <a:t>Using Map Constructor</a:t>
-            </a:r>
-          </a:p>
-          <a:p>
-            <a:endParaRPr lang="en-US" sz="1400" dirty="0">
-              <a:latin typeface="Roboto" panose="02000000000000000000" pitchFamily="2" charset="0"/>
-              <a:ea typeface="Roboto" panose="02000000000000000000" pitchFamily="2" charset="0"/>
-            </a:endParaRPr>
-          </a:p>
-        </p:txBody>
-      </p:sp>
+      </p:pic>
     </p:spTree>
     <p:extLst>
       <p:ext uri="{BB962C8B-B14F-4D97-AF65-F5344CB8AC3E}">
-        <p14:creationId xmlns:p14="http://schemas.microsoft.com/office/powerpoint/2010/main" val="3201573868"/>
+        <p14:creationId xmlns:p14="http://schemas.microsoft.com/office/powerpoint/2010/main" val="252843712"/>
       </p:ext>
     </p:extLst>
   </p:cSld>
@@ -5527,7 +5589,7 @@
         <p:spPr>
           <a:xfrm>
             <a:off x="685800" y="133350"/>
-            <a:ext cx="3015569" cy="369332"/>
+            <a:ext cx="1156086" cy="369332"/>
           </a:xfrm>
           <a:prstGeom prst="rect">
             <a:avLst/>
@@ -5547,7 +5609,7 @@
                 <a:latin typeface="Roboto" panose="02000000000000000000" pitchFamily="2" charset="0"/>
                 <a:ea typeface="Roboto" panose="02000000000000000000" pitchFamily="2" charset="0"/>
               </a:rPr>
-              <a:t>Dart Map Using Map Literal</a:t>
+              <a:t>Dart Map</a:t>
             </a:r>
             <a:endParaRPr lang="en-US" b="1" dirty="0"/>
           </a:p>
@@ -5562,7 +5624,7 @@
         <p:spPr>
           <a:xfrm>
             <a:off x="152400" y="895350"/>
-            <a:ext cx="8839200" cy="615553"/>
+            <a:ext cx="8839200" cy="2246769"/>
           </a:xfrm>
           <a:prstGeom prst="rect">
             <a:avLst/>
@@ -5582,12 +5644,150 @@
               <a:buChar char="•"/>
             </a:pPr>
             <a:r>
-              <a:rPr lang="en-US" sz="1200">
+              <a:rPr lang="en-US" sz="1200" dirty="0">
                 <a:latin typeface="Roboto" panose="02000000000000000000" pitchFamily="2" charset="0"/>
                 <a:ea typeface="Roboto" panose="02000000000000000000" pitchFamily="2" charset="0"/>
               </a:rPr>
-              <a:t>To declare a Map using map literal, the key-value pairs are enclosed within the curly braces "{}" and separated by the commas. </a:t>
-            </a:r>
+              <a:t>Dart Map is an object that stores data in the form of a key-value pair. </a:t>
+            </a:r>
+            <a:endParaRPr lang="en-US" sz="1200" dirty="0" smtClean="0">
+              <a:latin typeface="Roboto" panose="02000000000000000000" pitchFamily="2" charset="0"/>
+              <a:ea typeface="Roboto" panose="02000000000000000000" pitchFamily="2" charset="0"/>
+            </a:endParaRPr>
+          </a:p>
+          <a:p>
+            <a:pPr marL="285750" indent="-285750">
+              <a:lnSpc>
+                <a:spcPct val="150000"/>
+              </a:lnSpc>
+              <a:buFont typeface="Arial" panose="020B0604020202020204" pitchFamily="34" charset="0"/>
+              <a:buChar char="•"/>
+            </a:pPr>
+            <a:r>
+              <a:rPr lang="en-US" sz="1200" dirty="0" smtClean="0">
+                <a:latin typeface="Roboto" panose="02000000000000000000" pitchFamily="2" charset="0"/>
+                <a:ea typeface="Roboto" panose="02000000000000000000" pitchFamily="2" charset="0"/>
+              </a:rPr>
+              <a:t>Each </a:t>
+            </a:r>
+            <a:r>
+              <a:rPr lang="en-US" sz="1200" dirty="0">
+                <a:latin typeface="Roboto" panose="02000000000000000000" pitchFamily="2" charset="0"/>
+                <a:ea typeface="Roboto" panose="02000000000000000000" pitchFamily="2" charset="0"/>
+              </a:rPr>
+              <a:t>value is associated with its key, and it is used to access its corresponding value. </a:t>
+            </a:r>
+            <a:endParaRPr lang="en-US" sz="1200" dirty="0" smtClean="0">
+              <a:latin typeface="Roboto" panose="02000000000000000000" pitchFamily="2" charset="0"/>
+              <a:ea typeface="Roboto" panose="02000000000000000000" pitchFamily="2" charset="0"/>
+            </a:endParaRPr>
+          </a:p>
+          <a:p>
+            <a:pPr marL="285750" indent="-285750">
+              <a:lnSpc>
+                <a:spcPct val="150000"/>
+              </a:lnSpc>
+              <a:buFont typeface="Arial" panose="020B0604020202020204" pitchFamily="34" charset="0"/>
+              <a:buChar char="•"/>
+            </a:pPr>
+            <a:r>
+              <a:rPr lang="en-US" sz="1200" dirty="0" smtClean="0">
+                <a:latin typeface="Roboto" panose="02000000000000000000" pitchFamily="2" charset="0"/>
+                <a:ea typeface="Roboto" panose="02000000000000000000" pitchFamily="2" charset="0"/>
+              </a:rPr>
+              <a:t>Both </a:t>
+            </a:r>
+            <a:r>
+              <a:rPr lang="en-US" sz="1200" dirty="0">
+                <a:latin typeface="Roboto" panose="02000000000000000000" pitchFamily="2" charset="0"/>
+                <a:ea typeface="Roboto" panose="02000000000000000000" pitchFamily="2" charset="0"/>
+              </a:rPr>
+              <a:t>keys and values can be any type. </a:t>
+            </a:r>
+            <a:endParaRPr lang="en-US" sz="1200" dirty="0" smtClean="0">
+              <a:latin typeface="Roboto" panose="02000000000000000000" pitchFamily="2" charset="0"/>
+              <a:ea typeface="Roboto" panose="02000000000000000000" pitchFamily="2" charset="0"/>
+            </a:endParaRPr>
+          </a:p>
+          <a:p>
+            <a:pPr marL="285750" indent="-285750">
+              <a:lnSpc>
+                <a:spcPct val="150000"/>
+              </a:lnSpc>
+              <a:buFont typeface="Arial" panose="020B0604020202020204" pitchFamily="34" charset="0"/>
+              <a:buChar char="•"/>
+            </a:pPr>
+            <a:r>
+              <a:rPr lang="en-US" sz="1200" dirty="0" smtClean="0">
+                <a:latin typeface="Roboto" panose="02000000000000000000" pitchFamily="2" charset="0"/>
+                <a:ea typeface="Roboto" panose="02000000000000000000" pitchFamily="2" charset="0"/>
+              </a:rPr>
+              <a:t>In </a:t>
+            </a:r>
+            <a:r>
+              <a:rPr lang="en-US" sz="1200" dirty="0">
+                <a:latin typeface="Roboto" panose="02000000000000000000" pitchFamily="2" charset="0"/>
+                <a:ea typeface="Roboto" panose="02000000000000000000" pitchFamily="2" charset="0"/>
+              </a:rPr>
+              <a:t>Dart Map, each key must be unique, but the same value can occur multiple times</a:t>
+            </a:r>
+            <a:r>
+              <a:rPr lang="en-US" sz="1200" dirty="0" smtClean="0">
+                <a:latin typeface="Roboto" panose="02000000000000000000" pitchFamily="2" charset="0"/>
+                <a:ea typeface="Roboto" panose="02000000000000000000" pitchFamily="2" charset="0"/>
+              </a:rPr>
+              <a:t>.</a:t>
+            </a:r>
+          </a:p>
+          <a:p>
+            <a:pPr marL="285750" indent="-285750">
+              <a:lnSpc>
+                <a:spcPct val="150000"/>
+              </a:lnSpc>
+              <a:buFont typeface="Arial" panose="020B0604020202020204" pitchFamily="34" charset="0"/>
+              <a:buChar char="•"/>
+            </a:pPr>
+            <a:r>
+              <a:rPr lang="en-US" sz="1200" dirty="0">
+                <a:latin typeface="Roboto" panose="02000000000000000000" pitchFamily="2" charset="0"/>
+                <a:ea typeface="Roboto" panose="02000000000000000000" pitchFamily="2" charset="0"/>
+              </a:rPr>
+              <a:t>Dart Map can be defined in two methods.</a:t>
+            </a:r>
+          </a:p>
+          <a:p>
+            <a:pPr marL="285750" indent="-285750">
+              <a:lnSpc>
+                <a:spcPct val="150000"/>
+              </a:lnSpc>
+              <a:buFont typeface="Arial" panose="020B0604020202020204" pitchFamily="34" charset="0"/>
+              <a:buChar char="•"/>
+            </a:pPr>
+            <a:r>
+              <a:rPr lang="en-US" sz="1200" dirty="0">
+                <a:latin typeface="Roboto" panose="02000000000000000000" pitchFamily="2" charset="0"/>
+                <a:ea typeface="Roboto" panose="02000000000000000000" pitchFamily="2" charset="0"/>
+              </a:rPr>
+              <a:t>Using Map Literal</a:t>
+            </a:r>
+          </a:p>
+          <a:p>
+            <a:pPr marL="285750" indent="-285750">
+              <a:lnSpc>
+                <a:spcPct val="150000"/>
+              </a:lnSpc>
+              <a:buFont typeface="Arial" panose="020B0604020202020204" pitchFamily="34" charset="0"/>
+              <a:buChar char="•"/>
+            </a:pPr>
+            <a:r>
+              <a:rPr lang="en-US" sz="1200" dirty="0">
+                <a:latin typeface="Roboto" panose="02000000000000000000" pitchFamily="2" charset="0"/>
+                <a:ea typeface="Roboto" panose="02000000000000000000" pitchFamily="2" charset="0"/>
+              </a:rPr>
+              <a:t>Using Map Constructor</a:t>
+            </a:r>
+          </a:p>
+          <a:p>
             <a:endParaRPr lang="en-US" sz="1400" dirty="0">
               <a:latin typeface="Roboto" panose="02000000000000000000" pitchFamily="2" charset="0"/>
               <a:ea typeface="Roboto" panose="02000000000000000000" pitchFamily="2" charset="0"/>
@@ -5595,34 +5795,10 @@
           </a:p>
         </p:txBody>
       </p:sp>
-      <p:pic>
-        <p:nvPicPr>
-          <p:cNvPr id="4" name="Picture 3"/>
-          <p:cNvPicPr>
-            <a:picLocks noChangeAspect="1"/>
-          </p:cNvPicPr>
-          <p:nvPr/>
-        </p:nvPicPr>
-        <p:blipFill>
-          <a:blip r:embed="rId2"/>
-          <a:stretch>
-            <a:fillRect/>
-          </a:stretch>
-        </p:blipFill>
-        <p:spPr>
-          <a:xfrm>
-            <a:off x="533400" y="1657350"/>
-            <a:ext cx="3829050" cy="1035010"/>
-          </a:xfrm>
-          <a:prstGeom prst="rect">
-            <a:avLst/>
-          </a:prstGeom>
-        </p:spPr>
-      </p:pic>
     </p:spTree>
     <p:extLst>
       <p:ext uri="{BB962C8B-B14F-4D97-AF65-F5344CB8AC3E}">
-        <p14:creationId xmlns:p14="http://schemas.microsoft.com/office/powerpoint/2010/main" val="323147523"/>
+        <p14:creationId xmlns:p14="http://schemas.microsoft.com/office/powerpoint/2010/main" val="3201573868"/>
       </p:ext>
     </p:extLst>
   </p:cSld>
